--- a/Artigos/Artigo COLBEDUCA-2019/Um Jogo Sério como Tecnologia Educacional para Prevenção da Violência Sexual Infantil.pptx
+++ b/Artigos/Artigo COLBEDUCA-2019/Um Jogo Sério como Tecnologia Educacional para Prevenção da Violência Sexual Infantil.pptx
@@ -226,7 +226,7 @@
           <a:p>
             <a:fld id="{C1E2888E-EE4C-4D0B-93E6-8627190C80BD}" type="datetimeFigureOut">
               <a:rPr lang="pt-BR" smtClean="0"/>
-              <a:t>28/10/2019</a:t>
+              <a:t>31/10/2019</a:t>
             </a:fld>
             <a:endParaRPr lang="pt-BR"/>
           </a:p>
@@ -2287,7 +2287,7 @@
           <a:p>
             <a:fld id="{CA3EC0E9-0A6B-47A5-B6B5-857F6E1C765A}" type="datetimeFigureOut">
               <a:rPr lang="pt-BR" smtClean="0"/>
-              <a:t>28/10/2019</a:t>
+              <a:t>31/10/2019</a:t>
             </a:fld>
             <a:endParaRPr lang="pt-BR"/>
           </a:p>
@@ -2457,7 +2457,7 @@
           <a:p>
             <a:fld id="{CA3EC0E9-0A6B-47A5-B6B5-857F6E1C765A}" type="datetimeFigureOut">
               <a:rPr lang="pt-BR" smtClean="0"/>
-              <a:t>28/10/2019</a:t>
+              <a:t>31/10/2019</a:t>
             </a:fld>
             <a:endParaRPr lang="pt-BR"/>
           </a:p>
@@ -2637,7 +2637,7 @@
           <a:p>
             <a:fld id="{CA3EC0E9-0A6B-47A5-B6B5-857F6E1C765A}" type="datetimeFigureOut">
               <a:rPr lang="pt-BR" smtClean="0"/>
-              <a:t>28/10/2019</a:t>
+              <a:t>31/10/2019</a:t>
             </a:fld>
             <a:endParaRPr lang="pt-BR"/>
           </a:p>
@@ -2807,7 +2807,7 @@
           <a:p>
             <a:fld id="{CA3EC0E9-0A6B-47A5-B6B5-857F6E1C765A}" type="datetimeFigureOut">
               <a:rPr lang="pt-BR" smtClean="0"/>
-              <a:t>28/10/2019</a:t>
+              <a:t>31/10/2019</a:t>
             </a:fld>
             <a:endParaRPr lang="pt-BR"/>
           </a:p>
@@ -3051,7 +3051,7 @@
           <a:p>
             <a:fld id="{CA3EC0E9-0A6B-47A5-B6B5-857F6E1C765A}" type="datetimeFigureOut">
               <a:rPr lang="pt-BR" smtClean="0"/>
-              <a:t>28/10/2019</a:t>
+              <a:t>31/10/2019</a:t>
             </a:fld>
             <a:endParaRPr lang="pt-BR"/>
           </a:p>
@@ -3283,7 +3283,7 @@
           <a:p>
             <a:fld id="{CA3EC0E9-0A6B-47A5-B6B5-857F6E1C765A}" type="datetimeFigureOut">
               <a:rPr lang="pt-BR" smtClean="0"/>
-              <a:t>28/10/2019</a:t>
+              <a:t>31/10/2019</a:t>
             </a:fld>
             <a:endParaRPr lang="pt-BR"/>
           </a:p>
@@ -3650,7 +3650,7 @@
           <a:p>
             <a:fld id="{CA3EC0E9-0A6B-47A5-B6B5-857F6E1C765A}" type="datetimeFigureOut">
               <a:rPr lang="pt-BR" smtClean="0"/>
-              <a:t>28/10/2019</a:t>
+              <a:t>31/10/2019</a:t>
             </a:fld>
             <a:endParaRPr lang="pt-BR"/>
           </a:p>
@@ -3768,7 +3768,7 @@
           <a:p>
             <a:fld id="{CA3EC0E9-0A6B-47A5-B6B5-857F6E1C765A}" type="datetimeFigureOut">
               <a:rPr lang="pt-BR" smtClean="0"/>
-              <a:t>28/10/2019</a:t>
+              <a:t>31/10/2019</a:t>
             </a:fld>
             <a:endParaRPr lang="pt-BR"/>
           </a:p>
@@ -3863,7 +3863,7 @@
           <a:p>
             <a:fld id="{CA3EC0E9-0A6B-47A5-B6B5-857F6E1C765A}" type="datetimeFigureOut">
               <a:rPr lang="pt-BR" smtClean="0"/>
-              <a:t>28/10/2019</a:t>
+              <a:t>31/10/2019</a:t>
             </a:fld>
             <a:endParaRPr lang="pt-BR"/>
           </a:p>
@@ -4140,7 +4140,7 @@
           <a:p>
             <a:fld id="{CA3EC0E9-0A6B-47A5-B6B5-857F6E1C765A}" type="datetimeFigureOut">
               <a:rPr lang="pt-BR" smtClean="0"/>
-              <a:t>28/10/2019</a:t>
+              <a:t>31/10/2019</a:t>
             </a:fld>
             <a:endParaRPr lang="pt-BR"/>
           </a:p>
@@ -4397,7 +4397,7 @@
           <a:p>
             <a:fld id="{CA3EC0E9-0A6B-47A5-B6B5-857F6E1C765A}" type="datetimeFigureOut">
               <a:rPr lang="pt-BR" smtClean="0"/>
-              <a:t>28/10/2019</a:t>
+              <a:t>31/10/2019</a:t>
             </a:fld>
             <a:endParaRPr lang="pt-BR"/>
           </a:p>
@@ -4610,7 +4610,7 @@
           <a:p>
             <a:fld id="{CA3EC0E9-0A6B-47A5-B6B5-857F6E1C765A}" type="datetimeFigureOut">
               <a:rPr lang="pt-BR" smtClean="0"/>
-              <a:t>28/10/2019</a:t>
+              <a:t>31/10/2019</a:t>
             </a:fld>
             <a:endParaRPr lang="pt-BR"/>
           </a:p>
@@ -10972,7 +10972,7 @@
               <a:rPr lang="pt-BR" sz="2400" dirty="0">
                 <a:cs typeface="Arial" panose="020B0604020202020204" pitchFamily="34" charset="0"/>
               </a:rPr>
-              <a:t>Dificuldade das crianças em compreenderem de certas tarefas</a:t>
+              <a:t>Dificuldade das crianças em compreenderem certas tarefas</a:t>
             </a:r>
           </a:p>
           <a:p>
